--- a/flowchart.pptx
+++ b/flowchart.pptx
@@ -112,6 +112,11 @@
       </a:defRPr>
     </a:lvl9pPr>
   </p:defaultTextStyle>
+  <p:extLst>
+    <p:ext uri="{EFAFB233-063F-42B5-8137-9DF3F51BA10A}">
+      <p15:sldGuideLst xmlns:p15="http://schemas.microsoft.com/office/powerpoint/2012/main"/>
+    </p:ext>
+  </p:extLst>
 </p:presentation>
 </file>
 
@@ -197,7 +202,7 @@
           <a:p>
             <a:fld id="{CE90111B-4563-446D-9603-AAA85BCF23AB}" type="datetimeFigureOut">
               <a:rPr lang="en-GB" smtClean="0"/>
-              <a:t>17/04/2021</a:t>
+              <a:t>19/04/2021</a:t>
             </a:fld>
             <a:endParaRPr lang="en-GB"/>
           </a:p>
@@ -680,7 +685,7 @@
           <a:p>
             <a:fld id="{77B06688-488E-47F5-BA17-B88FD68C59E3}" type="datetimeFigureOut">
               <a:rPr lang="en-GB" smtClean="0"/>
-              <a:t>17/04/2021</a:t>
+              <a:t>19/04/2021</a:t>
             </a:fld>
             <a:endParaRPr lang="en-GB"/>
           </a:p>
@@ -850,7 +855,7 @@
           <a:p>
             <a:fld id="{77B06688-488E-47F5-BA17-B88FD68C59E3}" type="datetimeFigureOut">
               <a:rPr lang="en-GB" smtClean="0"/>
-              <a:t>17/04/2021</a:t>
+              <a:t>19/04/2021</a:t>
             </a:fld>
             <a:endParaRPr lang="en-GB"/>
           </a:p>
@@ -1030,7 +1035,7 @@
           <a:p>
             <a:fld id="{77B06688-488E-47F5-BA17-B88FD68C59E3}" type="datetimeFigureOut">
               <a:rPr lang="en-GB" smtClean="0"/>
-              <a:t>17/04/2021</a:t>
+              <a:t>19/04/2021</a:t>
             </a:fld>
             <a:endParaRPr lang="en-GB"/>
           </a:p>
@@ -1200,7 +1205,7 @@
           <a:p>
             <a:fld id="{77B06688-488E-47F5-BA17-B88FD68C59E3}" type="datetimeFigureOut">
               <a:rPr lang="en-GB" smtClean="0"/>
-              <a:t>17/04/2021</a:t>
+              <a:t>19/04/2021</a:t>
             </a:fld>
             <a:endParaRPr lang="en-GB"/>
           </a:p>
@@ -1446,7 +1451,7 @@
           <a:p>
             <a:fld id="{77B06688-488E-47F5-BA17-B88FD68C59E3}" type="datetimeFigureOut">
               <a:rPr lang="en-GB" smtClean="0"/>
-              <a:t>17/04/2021</a:t>
+              <a:t>19/04/2021</a:t>
             </a:fld>
             <a:endParaRPr lang="en-GB"/>
           </a:p>
@@ -1678,7 +1683,7 @@
           <a:p>
             <a:fld id="{77B06688-488E-47F5-BA17-B88FD68C59E3}" type="datetimeFigureOut">
               <a:rPr lang="en-GB" smtClean="0"/>
-              <a:t>17/04/2021</a:t>
+              <a:t>19/04/2021</a:t>
             </a:fld>
             <a:endParaRPr lang="en-GB"/>
           </a:p>
@@ -2045,7 +2050,7 @@
           <a:p>
             <a:fld id="{77B06688-488E-47F5-BA17-B88FD68C59E3}" type="datetimeFigureOut">
               <a:rPr lang="en-GB" smtClean="0"/>
-              <a:t>17/04/2021</a:t>
+              <a:t>19/04/2021</a:t>
             </a:fld>
             <a:endParaRPr lang="en-GB"/>
           </a:p>
@@ -2163,7 +2168,7 @@
           <a:p>
             <a:fld id="{77B06688-488E-47F5-BA17-B88FD68C59E3}" type="datetimeFigureOut">
               <a:rPr lang="en-GB" smtClean="0"/>
-              <a:t>17/04/2021</a:t>
+              <a:t>19/04/2021</a:t>
             </a:fld>
             <a:endParaRPr lang="en-GB"/>
           </a:p>
@@ -2258,7 +2263,7 @@
           <a:p>
             <a:fld id="{77B06688-488E-47F5-BA17-B88FD68C59E3}" type="datetimeFigureOut">
               <a:rPr lang="en-GB" smtClean="0"/>
-              <a:t>17/04/2021</a:t>
+              <a:t>19/04/2021</a:t>
             </a:fld>
             <a:endParaRPr lang="en-GB"/>
           </a:p>
@@ -2535,7 +2540,7 @@
           <a:p>
             <a:fld id="{77B06688-488E-47F5-BA17-B88FD68C59E3}" type="datetimeFigureOut">
               <a:rPr lang="en-GB" smtClean="0"/>
-              <a:t>17/04/2021</a:t>
+              <a:t>19/04/2021</a:t>
             </a:fld>
             <a:endParaRPr lang="en-GB"/>
           </a:p>
@@ -2788,7 +2793,7 @@
           <a:p>
             <a:fld id="{77B06688-488E-47F5-BA17-B88FD68C59E3}" type="datetimeFigureOut">
               <a:rPr lang="en-GB" smtClean="0"/>
-              <a:t>17/04/2021</a:t>
+              <a:t>19/04/2021</a:t>
             </a:fld>
             <a:endParaRPr lang="en-GB"/>
           </a:p>
@@ -3001,7 +3006,7 @@
           <a:p>
             <a:fld id="{77B06688-488E-47F5-BA17-B88FD68C59E3}" type="datetimeFigureOut">
               <a:rPr lang="en-GB" smtClean="0"/>
-              <a:t>17/04/2021</a:t>
+              <a:t>19/04/2021</a:t>
             </a:fld>
             <a:endParaRPr lang="en-GB"/>
           </a:p>
@@ -7039,46 +7044,6 @@
       </p:sp>
       <p:sp>
         <p:nvSpPr>
-          <p:cNvPr id="8" name="Flowchart: Data 7"/>
-          <p:cNvSpPr/>
-          <p:nvPr/>
-        </p:nvSpPr>
-        <p:spPr>
-          <a:xfrm>
-            <a:off x="9237617" y="629194"/>
-            <a:ext cx="1894114" cy="718457"/>
-          </a:xfrm>
-          <a:prstGeom prst="flowChartInputOutput">
-            <a:avLst/>
-          </a:prstGeom>
-        </p:spPr>
-        <p:style>
-          <a:lnRef idx="2">
-            <a:schemeClr val="accent1">
-              <a:shade val="50000"/>
-            </a:schemeClr>
-          </a:lnRef>
-          <a:fillRef idx="1">
-            <a:schemeClr val="accent1"/>
-          </a:fillRef>
-          <a:effectRef idx="0">
-            <a:schemeClr val="accent1"/>
-          </a:effectRef>
-          <a:fontRef idx="minor">
-            <a:schemeClr val="lt1"/>
-          </a:fontRef>
-        </p:style>
-        <p:txBody>
-          <a:bodyPr rtlCol="0" anchor="ctr"/>
-          <a:lstStyle/>
-          <a:p>
-            <a:pPr algn="ctr"/>
-            <a:endParaRPr lang="en-GB"/>
-          </a:p>
-        </p:txBody>
-      </p:sp>
-      <p:sp>
-        <p:nvSpPr>
           <p:cNvPr id="9" name="Flowchart: Data 8"/>
           <p:cNvSpPr/>
           <p:nvPr/>
@@ -7805,44 +7770,6 @@
       </p:sp>
       <p:sp>
         <p:nvSpPr>
-          <p:cNvPr id="47" name="TextBox 46"/>
-          <p:cNvSpPr txBox="1"/>
-          <p:nvPr/>
-        </p:nvSpPr>
-        <p:spPr>
-          <a:xfrm>
-            <a:off x="9616711" y="781594"/>
-            <a:ext cx="1269273" cy="369332"/>
-          </a:xfrm>
-          <a:prstGeom prst="rect">
-            <a:avLst/>
-          </a:prstGeom>
-          <a:noFill/>
-        </p:spPr>
-        <p:txBody>
-          <a:bodyPr wrap="square" rtlCol="0">
-            <a:spAutoFit/>
-          </a:bodyPr>
-          <a:lstStyle/>
-          <a:p>
-            <a:r>
-              <a:rPr lang="en-GB" dirty="0" smtClean="0"/>
-              <a:t>Print(</a:t>
-            </a:r>
-            <a:r>
-              <a:rPr lang="en-GB" dirty="0" err="1" smtClean="0"/>
-              <a:t>v,f,q</a:t>
-            </a:r>
-            <a:r>
-              <a:rPr lang="en-GB" dirty="0" smtClean="0"/>
-              <a:t>)</a:t>
-            </a:r>
-            <a:endParaRPr lang="en-GB" dirty="0"/>
-          </a:p>
-        </p:txBody>
-      </p:sp>
-      <p:sp>
-        <p:nvSpPr>
           <p:cNvPr id="48" name="TextBox 47"/>
           <p:cNvSpPr txBox="1"/>
           <p:nvPr/>
@@ -7906,6 +7833,86 @@
                 <a:srgbClr val="FF0000"/>
               </a:solidFill>
             </a:endParaRPr>
+          </a:p>
+        </p:txBody>
+      </p:sp>
+      <p:sp>
+        <p:nvSpPr>
+          <p:cNvPr id="12" name="Rectangle 11"/>
+          <p:cNvSpPr/>
+          <p:nvPr/>
+        </p:nvSpPr>
+        <p:spPr>
+          <a:xfrm>
+            <a:off x="9141822" y="328468"/>
+            <a:ext cx="1894114" cy="947057"/>
+          </a:xfrm>
+          <a:prstGeom prst="rect">
+            <a:avLst/>
+          </a:prstGeom>
+        </p:spPr>
+        <p:style>
+          <a:lnRef idx="2">
+            <a:schemeClr val="accent1">
+              <a:shade val="50000"/>
+            </a:schemeClr>
+          </a:lnRef>
+          <a:fillRef idx="1">
+            <a:schemeClr val="accent1"/>
+          </a:fillRef>
+          <a:effectRef idx="0">
+            <a:schemeClr val="accent1"/>
+          </a:effectRef>
+          <a:fontRef idx="minor">
+            <a:schemeClr val="lt1"/>
+          </a:fontRef>
+        </p:style>
+        <p:txBody>
+          <a:bodyPr rtlCol="0" anchor="ctr"/>
+          <a:lstStyle/>
+          <a:p>
+            <a:pPr algn="ctr"/>
+            <a:endParaRPr lang="en-GB"/>
+          </a:p>
+        </p:txBody>
+      </p:sp>
+      <p:sp>
+        <p:nvSpPr>
+          <p:cNvPr id="22" name="TextBox 21"/>
+          <p:cNvSpPr txBox="1"/>
+          <p:nvPr/>
+        </p:nvSpPr>
+        <p:spPr>
+          <a:xfrm>
+            <a:off x="9334500" y="574765"/>
+            <a:ext cx="1483723" cy="646331"/>
+          </a:xfrm>
+          <a:prstGeom prst="rect">
+            <a:avLst/>
+          </a:prstGeom>
+          <a:noFill/>
+        </p:spPr>
+        <p:txBody>
+          <a:bodyPr wrap="square" rtlCol="0">
+            <a:spAutoFit/>
+          </a:bodyPr>
+          <a:lstStyle/>
+          <a:p>
+            <a:r>
+              <a:rPr lang="en-GB" dirty="0"/>
+              <a:t>Print(</a:t>
+            </a:r>
+            <a:r>
+              <a:rPr lang="en-GB" dirty="0" err="1"/>
+              <a:t>v,f,q</a:t>
+            </a:r>
+            <a:r>
+              <a:rPr lang="en-GB" dirty="0"/>
+              <a:t>)</a:t>
+            </a:r>
+          </a:p>
+          <a:p>
+            <a:endParaRPr lang="en-GB" dirty="0"/>
           </a:p>
         </p:txBody>
       </p:sp>
@@ -8028,86 +8035,6 @@
       </p:sp>
       <p:sp>
         <p:nvSpPr>
-          <p:cNvPr id="4" name="Flowchart: Data 3"/>
-          <p:cNvSpPr/>
-          <p:nvPr/>
-        </p:nvSpPr>
-        <p:spPr>
-          <a:xfrm>
-            <a:off x="3410494" y="574765"/>
-            <a:ext cx="1893026" cy="977759"/>
-          </a:xfrm>
-          <a:prstGeom prst="flowChartInputOutput">
-            <a:avLst/>
-          </a:prstGeom>
-        </p:spPr>
-        <p:style>
-          <a:lnRef idx="2">
-            <a:schemeClr val="accent1">
-              <a:shade val="50000"/>
-            </a:schemeClr>
-          </a:lnRef>
-          <a:fillRef idx="1">
-            <a:schemeClr val="accent1"/>
-          </a:fillRef>
-          <a:effectRef idx="0">
-            <a:schemeClr val="accent1"/>
-          </a:effectRef>
-          <a:fontRef idx="minor">
-            <a:schemeClr val="lt1"/>
-          </a:fontRef>
-        </p:style>
-        <p:txBody>
-          <a:bodyPr rtlCol="0" anchor="ctr"/>
-          <a:lstStyle/>
-          <a:p>
-            <a:pPr algn="ctr"/>
-            <a:endParaRPr lang="en-GB"/>
-          </a:p>
-        </p:txBody>
-      </p:sp>
-      <p:sp>
-        <p:nvSpPr>
-          <p:cNvPr id="5" name="Flowchart: Data 4"/>
-          <p:cNvSpPr/>
-          <p:nvPr/>
-        </p:nvSpPr>
-        <p:spPr>
-          <a:xfrm>
-            <a:off x="3164750" y="1918062"/>
-            <a:ext cx="1894114" cy="718457"/>
-          </a:xfrm>
-          <a:prstGeom prst="flowChartInputOutput">
-            <a:avLst/>
-          </a:prstGeom>
-        </p:spPr>
-        <p:style>
-          <a:lnRef idx="2">
-            <a:schemeClr val="accent1">
-              <a:shade val="50000"/>
-            </a:schemeClr>
-          </a:lnRef>
-          <a:fillRef idx="1">
-            <a:schemeClr val="accent1"/>
-          </a:fillRef>
-          <a:effectRef idx="0">
-            <a:schemeClr val="accent1"/>
-          </a:effectRef>
-          <a:fontRef idx="minor">
-            <a:schemeClr val="lt1"/>
-          </a:fontRef>
-        </p:style>
-        <p:txBody>
-          <a:bodyPr rtlCol="0" anchor="ctr"/>
-          <a:lstStyle/>
-          <a:p>
-            <a:pPr algn="ctr"/>
-            <a:endParaRPr lang="en-GB"/>
-          </a:p>
-        </p:txBody>
-      </p:sp>
-      <p:sp>
-        <p:nvSpPr>
           <p:cNvPr id="7" name="Flowchart: Data 6"/>
           <p:cNvSpPr/>
           <p:nvPr/>
@@ -8562,104 +8489,11 @@
               <a:rPr lang="en-GB" dirty="0" smtClean="0"/>
               <a:t>         d = 0</a:t>
             </a:r>
+          </a:p>
+          <a:p>
             <a:endParaRPr lang="en-GB" dirty="0" smtClean="0"/>
           </a:p>
           <a:p>
-            <a:endParaRPr lang="en-GB" dirty="0" smtClean="0"/>
-          </a:p>
-          <a:p>
-            <a:endParaRPr lang="en-GB" dirty="0"/>
-          </a:p>
-        </p:txBody>
-      </p:sp>
-      <p:sp>
-        <p:nvSpPr>
-          <p:cNvPr id="43" name="TextBox 42"/>
-          <p:cNvSpPr txBox="1"/>
-          <p:nvPr/>
-        </p:nvSpPr>
-        <p:spPr>
-          <a:xfrm>
-            <a:off x="3648892" y="629194"/>
-            <a:ext cx="1296760" cy="923330"/>
-          </a:xfrm>
-          <a:prstGeom prst="rect">
-            <a:avLst/>
-          </a:prstGeom>
-          <a:noFill/>
-        </p:spPr>
-        <p:txBody>
-          <a:bodyPr wrap="square" rtlCol="0">
-            <a:spAutoFit/>
-          </a:bodyPr>
-          <a:lstStyle/>
-          <a:p>
-            <a:r>
-              <a:rPr lang="en-GB" dirty="0" smtClean="0"/>
-              <a:t>for </a:t>
-            </a:r>
-            <a:r>
-              <a:rPr lang="en-GB" dirty="0" err="1" smtClean="0"/>
-              <a:t>i</a:t>
-            </a:r>
-            <a:r>
-              <a:rPr lang="en-GB" dirty="0" smtClean="0"/>
-              <a:t> in do:</a:t>
-            </a:r>
-          </a:p>
-          <a:p>
-            <a:r>
-              <a:rPr lang="en-GB" dirty="0" smtClean="0"/>
-              <a:t>   e = </a:t>
-            </a:r>
-            <a:r>
-              <a:rPr lang="en-GB" dirty="0" err="1" smtClean="0"/>
-              <a:t>i</a:t>
-            </a:r>
-            <a:r>
-              <a:rPr lang="en-GB" dirty="0" smtClean="0"/>
-              <a:t>**3</a:t>
-            </a:r>
-          </a:p>
-          <a:p>
-            <a:r>
-              <a:rPr lang="en-GB" dirty="0"/>
-              <a:t> </a:t>
-            </a:r>
-            <a:r>
-              <a:rPr lang="en-GB" dirty="0" smtClean="0"/>
-              <a:t>  d = d + e </a:t>
-            </a:r>
-            <a:endParaRPr lang="en-GB" dirty="0"/>
-          </a:p>
-        </p:txBody>
-      </p:sp>
-      <p:sp>
-        <p:nvSpPr>
-          <p:cNvPr id="44" name="TextBox 43"/>
-          <p:cNvSpPr txBox="1"/>
-          <p:nvPr/>
-        </p:nvSpPr>
-        <p:spPr>
-          <a:xfrm>
-            <a:off x="3584256" y="2047239"/>
-            <a:ext cx="1177426" cy="369332"/>
-          </a:xfrm>
-          <a:prstGeom prst="rect">
-            <a:avLst/>
-          </a:prstGeom>
-          <a:noFill/>
-        </p:spPr>
-        <p:txBody>
-          <a:bodyPr wrap="square" rtlCol="0">
-            <a:spAutoFit/>
-          </a:bodyPr>
-          <a:lstStyle/>
-          <a:p>
-            <a:r>
-              <a:rPr lang="en-GB" dirty="0" smtClean="0"/>
-              <a:t>Print(d)</a:t>
-            </a:r>
             <a:endParaRPr lang="en-GB" dirty="0"/>
           </a:p>
         </p:txBody>
@@ -8729,6 +8563,176 @@
                 <a:srgbClr val="FF0000"/>
               </a:solidFill>
             </a:endParaRPr>
+          </a:p>
+        </p:txBody>
+      </p:sp>
+      <p:sp>
+        <p:nvSpPr>
+          <p:cNvPr id="6" name="Rectangle 5"/>
+          <p:cNvSpPr/>
+          <p:nvPr/>
+        </p:nvSpPr>
+        <p:spPr>
+          <a:xfrm>
+            <a:off x="3589427" y="1918062"/>
+            <a:ext cx="1535158" cy="743856"/>
+          </a:xfrm>
+          <a:prstGeom prst="rect">
+            <a:avLst/>
+          </a:prstGeom>
+        </p:spPr>
+        <p:style>
+          <a:lnRef idx="2">
+            <a:schemeClr val="accent1">
+              <a:shade val="50000"/>
+            </a:schemeClr>
+          </a:lnRef>
+          <a:fillRef idx="1">
+            <a:schemeClr val="accent1"/>
+          </a:fillRef>
+          <a:effectRef idx="0">
+            <a:schemeClr val="accent1"/>
+          </a:effectRef>
+          <a:fontRef idx="minor">
+            <a:schemeClr val="lt1"/>
+          </a:fontRef>
+        </p:style>
+        <p:txBody>
+          <a:bodyPr rtlCol="0" anchor="ctr"/>
+          <a:lstStyle/>
+          <a:p>
+            <a:pPr algn="ctr"/>
+            <a:endParaRPr lang="en-GB"/>
+          </a:p>
+        </p:txBody>
+      </p:sp>
+      <p:sp>
+        <p:nvSpPr>
+          <p:cNvPr id="8" name="TextBox 7"/>
+          <p:cNvSpPr txBox="1"/>
+          <p:nvPr/>
+        </p:nvSpPr>
+        <p:spPr>
+          <a:xfrm>
+            <a:off x="3838302" y="2072388"/>
+            <a:ext cx="1151708" cy="369332"/>
+          </a:xfrm>
+          <a:prstGeom prst="rect">
+            <a:avLst/>
+          </a:prstGeom>
+          <a:noFill/>
+        </p:spPr>
+        <p:txBody>
+          <a:bodyPr wrap="square" rtlCol="0">
+            <a:spAutoFit/>
+          </a:bodyPr>
+          <a:lstStyle/>
+          <a:p>
+            <a:r>
+              <a:rPr lang="en-GB" dirty="0" smtClean="0"/>
+              <a:t>Print(d)</a:t>
+            </a:r>
+            <a:endParaRPr lang="en-GB" dirty="0"/>
+          </a:p>
+        </p:txBody>
+      </p:sp>
+      <p:sp>
+        <p:nvSpPr>
+          <p:cNvPr id="5" name="Rectangle 4"/>
+          <p:cNvSpPr/>
+          <p:nvPr/>
+        </p:nvSpPr>
+        <p:spPr>
+          <a:xfrm>
+            <a:off x="3531388" y="400594"/>
+            <a:ext cx="1748118" cy="923330"/>
+          </a:xfrm>
+          <a:prstGeom prst="rect">
+            <a:avLst/>
+          </a:prstGeom>
+        </p:spPr>
+        <p:style>
+          <a:lnRef idx="2">
+            <a:schemeClr val="accent1">
+              <a:shade val="50000"/>
+            </a:schemeClr>
+          </a:lnRef>
+          <a:fillRef idx="1">
+            <a:schemeClr val="accent1"/>
+          </a:fillRef>
+          <a:effectRef idx="0">
+            <a:schemeClr val="accent1"/>
+          </a:effectRef>
+          <a:fontRef idx="minor">
+            <a:schemeClr val="lt1"/>
+          </a:fontRef>
+        </p:style>
+        <p:txBody>
+          <a:bodyPr rtlCol="0" anchor="ctr"/>
+          <a:lstStyle/>
+          <a:p>
+            <a:pPr algn="ctr"/>
+            <a:endParaRPr lang="en-GB"/>
+          </a:p>
+        </p:txBody>
+      </p:sp>
+      <p:sp>
+        <p:nvSpPr>
+          <p:cNvPr id="10" name="TextBox 9"/>
+          <p:cNvSpPr txBox="1"/>
+          <p:nvPr/>
+        </p:nvSpPr>
+        <p:spPr>
+          <a:xfrm>
+            <a:off x="3724002" y="366364"/>
+            <a:ext cx="1400583" cy="1200329"/>
+          </a:xfrm>
+          <a:prstGeom prst="rect">
+            <a:avLst/>
+          </a:prstGeom>
+          <a:noFill/>
+        </p:spPr>
+        <p:txBody>
+          <a:bodyPr wrap="square" rtlCol="0">
+            <a:spAutoFit/>
+          </a:bodyPr>
+          <a:lstStyle/>
+          <a:p>
+            <a:r>
+              <a:rPr lang="en-GB" dirty="0"/>
+              <a:t>for </a:t>
+            </a:r>
+            <a:r>
+              <a:rPr lang="en-GB" dirty="0" err="1"/>
+              <a:t>i</a:t>
+            </a:r>
+            <a:r>
+              <a:rPr lang="en-GB" dirty="0"/>
+              <a:t> in do:</a:t>
+            </a:r>
+          </a:p>
+          <a:p>
+            <a:r>
+              <a:rPr lang="en-GB" dirty="0"/>
+              <a:t>   e = </a:t>
+            </a:r>
+            <a:r>
+              <a:rPr lang="en-GB" dirty="0" err="1"/>
+              <a:t>i</a:t>
+            </a:r>
+            <a:r>
+              <a:rPr lang="en-GB" dirty="0"/>
+              <a:t>**3</a:t>
+            </a:r>
+          </a:p>
+          <a:p>
+            <a:r>
+              <a:rPr lang="en-GB" dirty="0"/>
+              <a:t>   d = d + e </a:t>
+            </a:r>
+          </a:p>
+          <a:p>
+            <a:endParaRPr lang="en-GB" dirty="0"/>
           </a:p>
         </p:txBody>
       </p:sp>
